--- a/Intro to Java.pptx
+++ b/Intro to Java.pptx
@@ -5173,7 +5173,29 @@
           <a:p>
             <a:r>
               <a:rPr lang="en-US" dirty="0" smtClean="0"/>
-              <a:t>Name cannot be a reserved keyword</a:t>
+              <a:t>Name cannot be a reserved </a:t>
+            </a:r>
+            <a:r>
+              <a:rPr lang="en-US" dirty="0" smtClean="0"/>
+              <a:t>keyword</a:t>
+            </a:r>
+          </a:p>
+          <a:p>
+            <a:r>
+              <a:rPr lang="en-US" dirty="0" smtClean="0"/>
+              <a:t>Reference variable </a:t>
+            </a:r>
+            <a:r>
+              <a:rPr lang="mr-IN" dirty="0" smtClean="0"/>
+              <a:t>–</a:t>
+            </a:r>
+            <a:r>
+              <a:rPr lang="en-US" dirty="0" smtClean="0"/>
+              <a:t> will </a:t>
+            </a:r>
+            <a:r>
+              <a:rPr lang="en-US" smtClean="0"/>
+              <a:t>cover later</a:t>
             </a:r>
             <a:endParaRPr lang="en-US" dirty="0"/>
           </a:p>
